--- a/Agile Model.pptx
+++ b/Agile Model.pptx
@@ -15155,7 +15155,7 @@
                   <a:srgbClr val="FF0000"/>
                 </a:solidFill>
               </a:rPr>
-              <a:t>gile Model</a:t>
+              <a:t>gie Model</a:t>
             </a:r>
             <a:endParaRPr b="1">
               <a:solidFill>
